--- a/Weekly-Reports/Biweekly_16.10.23.pptx
+++ b/Weekly-Reports/Biweekly_16.10.23.pptx
@@ -202,7 +202,7 @@
           <a:p>
             <a:fld id="{86748320-CD47-4052-ADDD-D819C92E4C86}" type="datetimeFigureOut">
               <a:rPr lang="sv-SE" smtClean="0"/>
-              <a:t>2023-10-16</a:t>
+              <a:t>2024-03-05</a:t>
             </a:fld>
             <a:endParaRPr lang="sv-SE"/>
           </a:p>
@@ -685,7 +685,7 @@
           <a:p>
             <a:fld id="{8A71E336-1465-4761-8EE1-9A745EC7FE3E}" type="datetimeFigureOut">
               <a:rPr lang="sv-SE" smtClean="0"/>
-              <a:t>2023-10-16</a:t>
+              <a:t>2024-03-05</a:t>
             </a:fld>
             <a:endParaRPr lang="sv-SE"/>
           </a:p>
@@ -855,7 +855,7 @@
           <a:p>
             <a:fld id="{8A71E336-1465-4761-8EE1-9A745EC7FE3E}" type="datetimeFigureOut">
               <a:rPr lang="sv-SE" smtClean="0"/>
-              <a:t>2023-10-16</a:t>
+              <a:t>2024-03-05</a:t>
             </a:fld>
             <a:endParaRPr lang="sv-SE"/>
           </a:p>
@@ -1035,7 +1035,7 @@
           <a:p>
             <a:fld id="{8A71E336-1465-4761-8EE1-9A745EC7FE3E}" type="datetimeFigureOut">
               <a:rPr lang="sv-SE" smtClean="0"/>
-              <a:t>2023-10-16</a:t>
+              <a:t>2024-03-05</a:t>
             </a:fld>
             <a:endParaRPr lang="sv-SE"/>
           </a:p>
@@ -1205,7 +1205,7 @@
           <a:p>
             <a:fld id="{8A71E336-1465-4761-8EE1-9A745EC7FE3E}" type="datetimeFigureOut">
               <a:rPr lang="sv-SE" smtClean="0"/>
-              <a:t>2023-10-16</a:t>
+              <a:t>2024-03-05</a:t>
             </a:fld>
             <a:endParaRPr lang="sv-SE"/>
           </a:p>
@@ -1451,7 +1451,7 @@
           <a:p>
             <a:fld id="{8A71E336-1465-4761-8EE1-9A745EC7FE3E}" type="datetimeFigureOut">
               <a:rPr lang="sv-SE" smtClean="0"/>
-              <a:t>2023-10-16</a:t>
+              <a:t>2024-03-05</a:t>
             </a:fld>
             <a:endParaRPr lang="sv-SE"/>
           </a:p>
@@ -1683,7 +1683,7 @@
           <a:p>
             <a:fld id="{8A71E336-1465-4761-8EE1-9A745EC7FE3E}" type="datetimeFigureOut">
               <a:rPr lang="sv-SE" smtClean="0"/>
-              <a:t>2023-10-16</a:t>
+              <a:t>2024-03-05</a:t>
             </a:fld>
             <a:endParaRPr lang="sv-SE"/>
           </a:p>
@@ -2050,7 +2050,7 @@
           <a:p>
             <a:fld id="{8A71E336-1465-4761-8EE1-9A745EC7FE3E}" type="datetimeFigureOut">
               <a:rPr lang="sv-SE" smtClean="0"/>
-              <a:t>2023-10-16</a:t>
+              <a:t>2024-03-05</a:t>
             </a:fld>
             <a:endParaRPr lang="sv-SE"/>
           </a:p>
@@ -2168,7 +2168,7 @@
           <a:p>
             <a:fld id="{8A71E336-1465-4761-8EE1-9A745EC7FE3E}" type="datetimeFigureOut">
               <a:rPr lang="sv-SE" smtClean="0"/>
-              <a:t>2023-10-16</a:t>
+              <a:t>2024-03-05</a:t>
             </a:fld>
             <a:endParaRPr lang="sv-SE"/>
           </a:p>
@@ -2263,7 +2263,7 @@
           <a:p>
             <a:fld id="{8A71E336-1465-4761-8EE1-9A745EC7FE3E}" type="datetimeFigureOut">
               <a:rPr lang="sv-SE" smtClean="0"/>
-              <a:t>2023-10-16</a:t>
+              <a:t>2024-03-05</a:t>
             </a:fld>
             <a:endParaRPr lang="sv-SE"/>
           </a:p>
@@ -2540,7 +2540,7 @@
           <a:p>
             <a:fld id="{8A71E336-1465-4761-8EE1-9A745EC7FE3E}" type="datetimeFigureOut">
               <a:rPr lang="sv-SE" smtClean="0"/>
-              <a:t>2023-10-16</a:t>
+              <a:t>2024-03-05</a:t>
             </a:fld>
             <a:endParaRPr lang="sv-SE"/>
           </a:p>
@@ -2793,7 +2793,7 @@
           <a:p>
             <a:fld id="{8A71E336-1465-4761-8EE1-9A745EC7FE3E}" type="datetimeFigureOut">
               <a:rPr lang="sv-SE" smtClean="0"/>
-              <a:t>2023-10-16</a:t>
+              <a:t>2024-03-05</a:t>
             </a:fld>
             <a:endParaRPr lang="sv-SE"/>
           </a:p>
@@ -3006,7 +3006,7 @@
           <a:p>
             <a:fld id="{8A71E336-1465-4761-8EE1-9A745EC7FE3E}" type="datetimeFigureOut">
               <a:rPr lang="sv-SE" smtClean="0"/>
-              <a:t>2023-10-16</a:t>
+              <a:t>2024-03-05</a:t>
             </a:fld>
             <a:endParaRPr lang="sv-SE"/>
           </a:p>
@@ -3953,8 +3953,8 @@
           </a:prstGeom>
         </p:spPr>
       </p:pic>
-      <mc:AlternateContent xmlns:mc="http://schemas.openxmlformats.org/markup-compatibility/2006">
-        <mc:Choice xmlns:a14="http://schemas.microsoft.com/office/drawing/2010/main" Requires="a14">
+      <mc:AlternateContent xmlns:mc="http://schemas.openxmlformats.org/markup-compatibility/2006" xmlns:a14="http://schemas.microsoft.com/office/drawing/2010/main">
+        <mc:Choice Requires="a14">
           <p:graphicFrame>
             <p:nvGraphicFramePr>
               <p:cNvPr id="8" name="Table 7"/>
@@ -8551,7 +8551,7 @@
             </a:graphic>
           </p:graphicFrame>
         </mc:Choice>
-        <mc:Fallback>
+        <mc:Fallback xmlns="">
           <p:graphicFrame>
             <p:nvGraphicFramePr>
               <p:cNvPr id="8" name="Table 7"/>
@@ -13714,7 +13714,7 @@
         </p:nvSpPr>
         <p:spPr>
           <a:xfrm>
-            <a:off x="2662740" y="3520697"/>
+            <a:off x="2102989" y="3511342"/>
             <a:ext cx="3444633" cy="616603"/>
           </a:xfrm>
           <a:prstGeom prst="rect">
